--- a/PRISM_Region에 View붙히기.pptx
+++ b/PRISM_Region에 View붙히기.pptx
@@ -419,7 +419,7 @@
           <a:p>
             <a:fld id="{A5796949-F536-47E5-83D3-359ECBD6D674}" type="datetimeFigureOut">
               <a:rPr lang="ko-KR" altLang="en-US" smtClean="0"/>
-              <a:t>2017-03-31</a:t>
+              <a:t>2017-04-03</a:t>
             </a:fld>
             <a:endParaRPr lang="ko-KR" altLang="en-US"/>
           </a:p>
@@ -615,7 +615,7 @@
           <a:p>
             <a:fld id="{A5796949-F536-47E5-83D3-359ECBD6D674}" type="datetimeFigureOut">
               <a:rPr lang="ko-KR" altLang="en-US" smtClean="0"/>
-              <a:t>2017-03-31</a:t>
+              <a:t>2017-04-03</a:t>
             </a:fld>
             <a:endParaRPr lang="ko-KR" altLang="en-US"/>
           </a:p>
@@ -1011,7 +1011,7 @@
           <a:p>
             <a:fld id="{A5796949-F536-47E5-83D3-359ECBD6D674}" type="datetimeFigureOut">
               <a:rPr lang="ko-KR" altLang="en-US" smtClean="0"/>
-              <a:t>2017-03-31</a:t>
+              <a:t>2017-04-03</a:t>
             </a:fld>
             <a:endParaRPr lang="ko-KR" altLang="en-US"/>
           </a:p>
@@ -1259,7 +1259,7 @@
           <a:p>
             <a:fld id="{A5796949-F536-47E5-83D3-359ECBD6D674}" type="datetimeFigureOut">
               <a:rPr lang="ko-KR" altLang="en-US" smtClean="0"/>
-              <a:t>2017-03-31</a:t>
+              <a:t>2017-04-03</a:t>
             </a:fld>
             <a:endParaRPr lang="ko-KR" altLang="en-US"/>
           </a:p>
@@ -1642,7 +1642,7 @@
           <a:p>
             <a:fld id="{A5796949-F536-47E5-83D3-359ECBD6D674}" type="datetimeFigureOut">
               <a:rPr lang="ko-KR" altLang="en-US" smtClean="0"/>
-              <a:t>2017-03-31</a:t>
+              <a:t>2017-04-03</a:t>
             </a:fld>
             <a:endParaRPr lang="ko-KR" altLang="en-US"/>
           </a:p>
@@ -1776,7 +1776,7 @@
           <a:p>
             <a:fld id="{A5796949-F536-47E5-83D3-359ECBD6D674}" type="datetimeFigureOut">
               <a:rPr lang="ko-KR" altLang="en-US" smtClean="0"/>
-              <a:t>2017-03-31</a:t>
+              <a:t>2017-04-03</a:t>
             </a:fld>
             <a:endParaRPr lang="ko-KR" altLang="en-US"/>
           </a:p>
@@ -2123,7 +2123,7 @@
           <a:p>
             <a:fld id="{A5796949-F536-47E5-83D3-359ECBD6D674}" type="datetimeFigureOut">
               <a:rPr lang="ko-KR" altLang="en-US" smtClean="0"/>
-              <a:t>2017-03-31</a:t>
+              <a:t>2017-04-03</a:t>
             </a:fld>
             <a:endParaRPr lang="ko-KR" altLang="en-US"/>
           </a:p>
@@ -2392,7 +2392,7 @@
           <a:p>
             <a:fld id="{A5796949-F536-47E5-83D3-359ECBD6D674}" type="datetimeFigureOut">
               <a:rPr lang="ko-KR" altLang="en-US" smtClean="0"/>
-              <a:t>2017-03-31</a:t>
+              <a:t>2017-04-03</a:t>
             </a:fld>
             <a:endParaRPr lang="ko-KR" altLang="en-US"/>
           </a:p>
@@ -3604,13 +3604,7 @@
               <a:rPr lang="en-US" altLang="ko-KR" dirty="0" smtClean="0">
                 <a:latin typeface="+mn-ea"/>
               </a:rPr>
-              <a:t>= </a:t>
-            </a:r>
-            <a:r>
-              <a:rPr lang="en-US" altLang="ko-KR" dirty="0" smtClean="0">
-                <a:latin typeface="+mn-ea"/>
-              </a:rPr>
-              <a:t>false</a:t>
+              <a:t>= false</a:t>
             </a:r>
             <a:r>
               <a:rPr lang="ko-KR" altLang="en-US" dirty="0" smtClean="0">
@@ -5816,7 +5810,7 @@
         </p:blipFill>
         <p:spPr>
           <a:xfrm>
-            <a:off x="3009900" y="3470045"/>
+            <a:off x="3009900" y="3711114"/>
             <a:ext cx="6172200" cy="2228850"/>
           </a:xfrm>
           <a:prstGeom prst="rect">
@@ -6024,7 +6018,7 @@
             </a:pPr>
             <a:r>
               <a:rPr lang="en-US" altLang="ko-KR" dirty="0" err="1" smtClean="0"/>
-              <a:t>CreteRegion</a:t>
+              <a:t>CreateRegion</a:t>
             </a:r>
             <a:r>
               <a:rPr lang="ko-KR" altLang="en-US" dirty="0" smtClean="0"/>
@@ -6446,7 +6440,7 @@
             </a:r>
           </a:p>
           <a:p>
-            <a:pPr lvl="1" eaLnBrk="0" fontAlgn="base" latinLnBrk="0" hangingPunct="0">
+            <a:pPr lvl="2" eaLnBrk="0" fontAlgn="base" latinLnBrk="0" hangingPunct="0">
               <a:lnSpc>
                 <a:spcPct val="100000"/>
               </a:lnSpc>
@@ -6458,12 +6452,20 @@
               </a:spcAft>
             </a:pPr>
             <a:r>
-              <a:rPr lang="en-US" altLang="ko-KR" dirty="0" err="1" smtClean="0">
-                <a:latin typeface="함초롬돋움" panose="020B0604000101010101" pitchFamily="50" charset="-127"/>
-                <a:ea typeface="함초롬돋움" panose="020B0604000101010101" pitchFamily="50" charset="-127"/>
-                <a:cs typeface="함초롬돋움" panose="020B0604000101010101" pitchFamily="50" charset="-127"/>
-              </a:rPr>
-              <a:t>SingleRegion</a:t>
+              <a:rPr lang="en-US" altLang="ko-KR" dirty="0" smtClean="0">
+                <a:latin typeface="함초롬돋움" panose="020B0604000101010101" pitchFamily="50" charset="-127"/>
+                <a:ea typeface="함초롬돋움" panose="020B0604000101010101" pitchFamily="50" charset="-127"/>
+                <a:cs typeface="함초롬돋움" panose="020B0604000101010101" pitchFamily="50" charset="-127"/>
+              </a:rPr>
+              <a:t>Selector</a:t>
+            </a:r>
+            <a:r>
+              <a:rPr lang="ko-KR" altLang="en-US" dirty="0" smtClean="0">
+                <a:latin typeface="함초롬돋움" panose="020B0604000101010101" pitchFamily="50" charset="-127"/>
+                <a:ea typeface="함초롬돋움" panose="020B0604000101010101" pitchFamily="50" charset="-127"/>
+                <a:cs typeface="함초롬돋움" panose="020B0604000101010101" pitchFamily="50" charset="-127"/>
+              </a:rPr>
+              <a:t>에서 파생된 컨트롤에서 사용</a:t>
             </a:r>
             <a:endParaRPr lang="en-US" altLang="ko-KR" dirty="0" smtClean="0">
               <a:latin typeface="함초롬돋움" panose="020B0604000101010101" pitchFamily="50" charset="-127"/>
@@ -6489,7 +6491,101 @@
                 <a:ea typeface="함초롬돋움" panose="020B0604000101010101" pitchFamily="50" charset="-127"/>
                 <a:cs typeface="함초롬돋움" panose="020B0604000101010101" pitchFamily="50" charset="-127"/>
               </a:rPr>
+              <a:t>SingleRegion</a:t>
+            </a:r>
+            <a:endParaRPr lang="en-US" altLang="ko-KR" dirty="0" smtClean="0">
+              <a:latin typeface="함초롬돋움" panose="020B0604000101010101" pitchFamily="50" charset="-127"/>
+              <a:ea typeface="함초롬돋움" panose="020B0604000101010101" pitchFamily="50" charset="-127"/>
+              <a:cs typeface="함초롬돋움" panose="020B0604000101010101" pitchFamily="50" charset="-127"/>
+            </a:endParaRPr>
+          </a:p>
+          <a:p>
+            <a:pPr lvl="2" eaLnBrk="0" fontAlgn="base" latinLnBrk="0" hangingPunct="0">
+              <a:lnSpc>
+                <a:spcPct val="100000"/>
+              </a:lnSpc>
+              <a:spcBef>
+                <a:spcPct val="0"/>
+              </a:spcBef>
+              <a:spcAft>
+                <a:spcPct val="0"/>
+              </a:spcAft>
+            </a:pPr>
+            <a:r>
+              <a:rPr lang="en-US" altLang="ko-KR" dirty="0" err="1" smtClean="0">
+                <a:latin typeface="함초롬돋움" panose="020B0604000101010101" pitchFamily="50" charset="-127"/>
+                <a:ea typeface="함초롬돋움" panose="020B0604000101010101" pitchFamily="50" charset="-127"/>
+                <a:cs typeface="함초롬돋움" panose="020B0604000101010101" pitchFamily="50" charset="-127"/>
+              </a:rPr>
+              <a:t>ContentControl</a:t>
+            </a:r>
+            <a:r>
+              <a:rPr lang="ko-KR" altLang="en-US" dirty="0" smtClean="0">
+                <a:latin typeface="함초롬돋움" panose="020B0604000101010101" pitchFamily="50" charset="-127"/>
+                <a:ea typeface="함초롬돋움" panose="020B0604000101010101" pitchFamily="50" charset="-127"/>
+                <a:cs typeface="함초롬돋움" panose="020B0604000101010101" pitchFamily="50" charset="-127"/>
+              </a:rPr>
+              <a:t>에서 파생된 컨트롤에서 사용</a:t>
+            </a:r>
+            <a:endParaRPr lang="en-US" altLang="ko-KR" dirty="0">
+              <a:latin typeface="함초롬돋움" panose="020B0604000101010101" pitchFamily="50" charset="-127"/>
+              <a:ea typeface="함초롬돋움" panose="020B0604000101010101" pitchFamily="50" charset="-127"/>
+              <a:cs typeface="함초롬돋움" panose="020B0604000101010101" pitchFamily="50" charset="-127"/>
+            </a:endParaRPr>
+          </a:p>
+          <a:p>
+            <a:pPr lvl="1" eaLnBrk="0" fontAlgn="base" latinLnBrk="0" hangingPunct="0">
+              <a:lnSpc>
+                <a:spcPct val="100000"/>
+              </a:lnSpc>
+              <a:spcBef>
+                <a:spcPct val="0"/>
+              </a:spcBef>
+              <a:spcAft>
+                <a:spcPct val="0"/>
+              </a:spcAft>
+            </a:pPr>
+            <a:r>
+              <a:rPr lang="en-US" altLang="ko-KR" dirty="0" err="1" smtClean="0">
+                <a:latin typeface="함초롬돋움" panose="020B0604000101010101" pitchFamily="50" charset="-127"/>
+                <a:ea typeface="함초롬돋움" panose="020B0604000101010101" pitchFamily="50" charset="-127"/>
+                <a:cs typeface="함초롬돋움" panose="020B0604000101010101" pitchFamily="50" charset="-127"/>
+              </a:rPr>
               <a:t>AllActiveRegion</a:t>
+            </a:r>
+            <a:endParaRPr lang="en-US" altLang="ko-KR" dirty="0" smtClean="0">
+              <a:latin typeface="함초롬돋움" panose="020B0604000101010101" pitchFamily="50" charset="-127"/>
+              <a:ea typeface="함초롬돋움" panose="020B0604000101010101" pitchFamily="50" charset="-127"/>
+              <a:cs typeface="함초롬돋움" panose="020B0604000101010101" pitchFamily="50" charset="-127"/>
+            </a:endParaRPr>
+          </a:p>
+          <a:p>
+            <a:pPr lvl="2" eaLnBrk="0" fontAlgn="base" latinLnBrk="0" hangingPunct="0">
+              <a:lnSpc>
+                <a:spcPct val="100000"/>
+              </a:lnSpc>
+              <a:spcBef>
+                <a:spcPct val="0"/>
+              </a:spcBef>
+              <a:spcAft>
+                <a:spcPct val="0"/>
+              </a:spcAft>
+            </a:pPr>
+            <a:r>
+              <a:rPr lang="en-US" altLang="ko-KR" dirty="0" err="1" smtClean="0">
+                <a:latin typeface="함초롬돋움" panose="020B0604000101010101" pitchFamily="50" charset="-127"/>
+                <a:ea typeface="함초롬돋움" panose="020B0604000101010101" pitchFamily="50" charset="-127"/>
+                <a:cs typeface="함초롬돋움" panose="020B0604000101010101" pitchFamily="50" charset="-127"/>
+              </a:rPr>
+              <a:t>ItemControl</a:t>
+            </a:r>
+            <a:r>
+              <a:rPr lang="ko-KR" altLang="en-US" dirty="0" smtClean="0">
+                <a:latin typeface="함초롬돋움" panose="020B0604000101010101" pitchFamily="50" charset="-127"/>
+                <a:ea typeface="함초롬돋움" panose="020B0604000101010101" pitchFamily="50" charset="-127"/>
+                <a:cs typeface="함초롬돋움" panose="020B0604000101010101" pitchFamily="50" charset="-127"/>
+              </a:rPr>
+              <a:t>에서 파생된 컨트롤에서 사용</a:t>
             </a:r>
             <a:endParaRPr lang="en-US" altLang="ko-KR" dirty="0" smtClean="0">
               <a:latin typeface="함초롬돋움" panose="020B0604000101010101" pitchFamily="50" charset="-127"/>
@@ -6507,16 +6603,15 @@
           </p:cNvPicPr>
           <p:nvPr/>
         </p:nvPicPr>
-        <p:blipFill>
+        <p:blipFill rotWithShape="1">
           <a:blip r:embed="rId2"/>
-          <a:stretch>
-            <a:fillRect/>
-          </a:stretch>
+          <a:srcRect l="4676" t="21821" r="3210" b="6385"/>
+          <a:stretch/>
         </p:blipFill>
         <p:spPr>
           <a:xfrm>
-            <a:off x="5414611" y="3690851"/>
-            <a:ext cx="5369510" cy="1620984"/>
+            <a:off x="6616931" y="2751512"/>
+            <a:ext cx="4946072" cy="1163783"/>
           </a:xfrm>
           <a:prstGeom prst="rect">
             <a:avLst/>
@@ -15289,7 +15384,7 @@
         </p:blipFill>
         <p:spPr>
           <a:xfrm>
-            <a:off x="1166330" y="2427372"/>
+            <a:off x="1166330" y="2489245"/>
             <a:ext cx="6372806" cy="1026368"/>
           </a:xfrm>
           <a:prstGeom prst="rect">
@@ -15305,7 +15400,7 @@
         </p:nvGrpSpPr>
         <p:grpSpPr>
           <a:xfrm>
-            <a:off x="1166330" y="4209685"/>
+            <a:off x="1166330" y="4292812"/>
             <a:ext cx="5059134" cy="1967277"/>
             <a:chOff x="1166330" y="4204361"/>
             <a:chExt cx="5059134" cy="1967277"/>
